--- a/docs/플레이어 회전.pptx
+++ b/docs/플레이어 회전.pptx
@@ -259,7 +259,7 @@
           <a:p>
             <a:fld id="{81D527B9-FC86-4498-8D22-B3D937D40562}" type="datetimeFigureOut">
               <a:rPr lang="ko-KR" altLang="en-US" smtClean="0"/>
-              <a:t>2022-09-24</a:t>
+              <a:t>2022-09-25</a:t>
             </a:fld>
             <a:endParaRPr lang="ko-KR" altLang="en-US"/>
           </a:p>
@@ -457,7 +457,7 @@
           <a:p>
             <a:fld id="{81D527B9-FC86-4498-8D22-B3D937D40562}" type="datetimeFigureOut">
               <a:rPr lang="ko-KR" altLang="en-US" smtClean="0"/>
-              <a:t>2022-09-24</a:t>
+              <a:t>2022-09-25</a:t>
             </a:fld>
             <a:endParaRPr lang="ko-KR" altLang="en-US"/>
           </a:p>
@@ -665,7 +665,7 @@
           <a:p>
             <a:fld id="{81D527B9-FC86-4498-8D22-B3D937D40562}" type="datetimeFigureOut">
               <a:rPr lang="ko-KR" altLang="en-US" smtClean="0"/>
-              <a:t>2022-09-24</a:t>
+              <a:t>2022-09-25</a:t>
             </a:fld>
             <a:endParaRPr lang="ko-KR" altLang="en-US"/>
           </a:p>
@@ -863,7 +863,7 @@
           <a:p>
             <a:fld id="{81D527B9-FC86-4498-8D22-B3D937D40562}" type="datetimeFigureOut">
               <a:rPr lang="ko-KR" altLang="en-US" smtClean="0"/>
-              <a:t>2022-09-24</a:t>
+              <a:t>2022-09-25</a:t>
             </a:fld>
             <a:endParaRPr lang="ko-KR" altLang="en-US"/>
           </a:p>
@@ -1138,7 +1138,7 @@
           <a:p>
             <a:fld id="{81D527B9-FC86-4498-8D22-B3D937D40562}" type="datetimeFigureOut">
               <a:rPr lang="ko-KR" altLang="en-US" smtClean="0"/>
-              <a:t>2022-09-24</a:t>
+              <a:t>2022-09-25</a:t>
             </a:fld>
             <a:endParaRPr lang="ko-KR" altLang="en-US"/>
           </a:p>
@@ -1403,7 +1403,7 @@
           <a:p>
             <a:fld id="{81D527B9-FC86-4498-8D22-B3D937D40562}" type="datetimeFigureOut">
               <a:rPr lang="ko-KR" altLang="en-US" smtClean="0"/>
-              <a:t>2022-09-24</a:t>
+              <a:t>2022-09-25</a:t>
             </a:fld>
             <a:endParaRPr lang="ko-KR" altLang="en-US"/>
           </a:p>
@@ -1815,7 +1815,7 @@
           <a:p>
             <a:fld id="{81D527B9-FC86-4498-8D22-B3D937D40562}" type="datetimeFigureOut">
               <a:rPr lang="ko-KR" altLang="en-US" smtClean="0"/>
-              <a:t>2022-09-24</a:t>
+              <a:t>2022-09-25</a:t>
             </a:fld>
             <a:endParaRPr lang="ko-KR" altLang="en-US"/>
           </a:p>
@@ -1956,7 +1956,7 @@
           <a:p>
             <a:fld id="{81D527B9-FC86-4498-8D22-B3D937D40562}" type="datetimeFigureOut">
               <a:rPr lang="ko-KR" altLang="en-US" smtClean="0"/>
-              <a:t>2022-09-24</a:t>
+              <a:t>2022-09-25</a:t>
             </a:fld>
             <a:endParaRPr lang="ko-KR" altLang="en-US"/>
           </a:p>
@@ -2069,7 +2069,7 @@
           <a:p>
             <a:fld id="{81D527B9-FC86-4498-8D22-B3D937D40562}" type="datetimeFigureOut">
               <a:rPr lang="ko-KR" altLang="en-US" smtClean="0"/>
-              <a:t>2022-09-24</a:t>
+              <a:t>2022-09-25</a:t>
             </a:fld>
             <a:endParaRPr lang="ko-KR" altLang="en-US"/>
           </a:p>
@@ -2380,7 +2380,7 @@
           <a:p>
             <a:fld id="{81D527B9-FC86-4498-8D22-B3D937D40562}" type="datetimeFigureOut">
               <a:rPr lang="ko-KR" altLang="en-US" smtClean="0"/>
-              <a:t>2022-09-24</a:t>
+              <a:t>2022-09-25</a:t>
             </a:fld>
             <a:endParaRPr lang="ko-KR" altLang="en-US"/>
           </a:p>
@@ -2668,7 +2668,7 @@
           <a:p>
             <a:fld id="{81D527B9-FC86-4498-8D22-B3D937D40562}" type="datetimeFigureOut">
               <a:rPr lang="ko-KR" altLang="en-US" smtClean="0"/>
-              <a:t>2022-09-24</a:t>
+              <a:t>2022-09-25</a:t>
             </a:fld>
             <a:endParaRPr lang="ko-KR" altLang="en-US"/>
           </a:p>
@@ -2909,7 +2909,7 @@
           <a:p>
             <a:fld id="{81D527B9-FC86-4498-8D22-B3D937D40562}" type="datetimeFigureOut">
               <a:rPr lang="ko-KR" altLang="en-US" smtClean="0"/>
-              <a:t>2022-09-24</a:t>
+              <a:t>2022-09-25</a:t>
             </a:fld>
             <a:endParaRPr lang="ko-KR" altLang="en-US"/>
           </a:p>
@@ -4980,6 +4980,374 @@
           </a:fontRef>
         </p:style>
       </p:cxnSp>
+      <p:sp>
+        <p:nvSpPr>
+          <p:cNvPr id="4" name="사각형: 잘린 위쪽 모서리 3">
+            <a:extLst>
+              <a:ext uri="{FF2B5EF4-FFF2-40B4-BE49-F238E27FC236}">
+                <a16:creationId xmlns:a16="http://schemas.microsoft.com/office/drawing/2014/main" id="{E1A005AD-DDB8-F210-A39E-380D363C7009}"/>
+              </a:ext>
+            </a:extLst>
+          </p:cNvPr>
+          <p:cNvSpPr/>
+          <p:nvPr/>
+        </p:nvSpPr>
+        <p:spPr>
+          <a:xfrm rot="19444973">
+            <a:off x="4901407" y="2790031"/>
+            <a:ext cx="727075" cy="304800"/>
+          </a:xfrm>
+          <a:prstGeom prst="snip2SameRect">
+            <a:avLst/>
+          </a:prstGeom>
+        </p:spPr>
+        <p:style>
+          <a:lnRef idx="2">
+            <a:schemeClr val="accent6">
+              <a:shade val="50000"/>
+            </a:schemeClr>
+          </a:lnRef>
+          <a:fillRef idx="1">
+            <a:schemeClr val="accent6"/>
+          </a:fillRef>
+          <a:effectRef idx="0">
+            <a:schemeClr val="accent6"/>
+          </a:effectRef>
+          <a:fontRef idx="minor">
+            <a:schemeClr val="lt1"/>
+          </a:fontRef>
+        </p:style>
+        <p:txBody>
+          <a:bodyPr rtlCol="0" anchor="ctr"/>
+          <a:lstStyle/>
+          <a:p>
+            <a:pPr algn="ctr"/>
+            <a:endParaRPr lang="ko-KR" altLang="en-US"/>
+          </a:p>
+        </p:txBody>
+      </p:sp>
+      <p:sp>
+        <p:nvSpPr>
+          <p:cNvPr id="8" name="타원 7">
+            <a:extLst>
+              <a:ext uri="{FF2B5EF4-FFF2-40B4-BE49-F238E27FC236}">
+                <a16:creationId xmlns:a16="http://schemas.microsoft.com/office/drawing/2014/main" id="{8AC47425-659B-8F8F-DFB8-00CB40D698CA}"/>
+              </a:ext>
+            </a:extLst>
+          </p:cNvPr>
+          <p:cNvSpPr/>
+          <p:nvPr/>
+        </p:nvSpPr>
+        <p:spPr>
+          <a:xfrm>
+            <a:off x="5450683" y="2931319"/>
+            <a:ext cx="78581" cy="76200"/>
+          </a:xfrm>
+          <a:prstGeom prst="ellipse">
+            <a:avLst/>
+          </a:prstGeom>
+        </p:spPr>
+        <p:style>
+          <a:lnRef idx="2">
+            <a:schemeClr val="accent1">
+              <a:shade val="50000"/>
+            </a:schemeClr>
+          </a:lnRef>
+          <a:fillRef idx="1">
+            <a:schemeClr val="accent1"/>
+          </a:fillRef>
+          <a:effectRef idx="0">
+            <a:schemeClr val="accent1"/>
+          </a:effectRef>
+          <a:fontRef idx="minor">
+            <a:schemeClr val="lt1"/>
+          </a:fontRef>
+        </p:style>
+        <p:txBody>
+          <a:bodyPr rtlCol="0" anchor="ctr"/>
+          <a:lstStyle/>
+          <a:p>
+            <a:pPr algn="ctr"/>
+            <a:endParaRPr lang="ko-KR" altLang="en-US"/>
+          </a:p>
+        </p:txBody>
+      </p:sp>
+      <p:sp>
+        <p:nvSpPr>
+          <p:cNvPr id="16" name="사각형: 잘린 위쪽 모서리 15">
+            <a:extLst>
+              <a:ext uri="{FF2B5EF4-FFF2-40B4-BE49-F238E27FC236}">
+                <a16:creationId xmlns:a16="http://schemas.microsoft.com/office/drawing/2014/main" id="{EA6F38A3-D79F-CEC6-4E01-A733F8434500}"/>
+              </a:ext>
+            </a:extLst>
+          </p:cNvPr>
+          <p:cNvSpPr/>
+          <p:nvPr/>
+        </p:nvSpPr>
+        <p:spPr>
+          <a:xfrm>
+            <a:off x="8332788" y="3640138"/>
+            <a:ext cx="727075" cy="304800"/>
+          </a:xfrm>
+          <a:prstGeom prst="snip2SameRect">
+            <a:avLst/>
+          </a:prstGeom>
+        </p:spPr>
+        <p:style>
+          <a:lnRef idx="2">
+            <a:schemeClr val="accent6">
+              <a:shade val="50000"/>
+            </a:schemeClr>
+          </a:lnRef>
+          <a:fillRef idx="1">
+            <a:schemeClr val="accent6"/>
+          </a:fillRef>
+          <a:effectRef idx="0">
+            <a:schemeClr val="accent6"/>
+          </a:effectRef>
+          <a:fontRef idx="minor">
+            <a:schemeClr val="lt1"/>
+          </a:fontRef>
+        </p:style>
+        <p:txBody>
+          <a:bodyPr rtlCol="0" anchor="ctr"/>
+          <a:lstStyle/>
+          <a:p>
+            <a:pPr algn="ctr"/>
+            <a:endParaRPr lang="ko-KR" altLang="en-US"/>
+          </a:p>
+        </p:txBody>
+      </p:sp>
+      <p:sp>
+        <p:nvSpPr>
+          <p:cNvPr id="18" name="타원 17">
+            <a:extLst>
+              <a:ext uri="{FF2B5EF4-FFF2-40B4-BE49-F238E27FC236}">
+                <a16:creationId xmlns:a16="http://schemas.microsoft.com/office/drawing/2014/main" id="{D287E361-AF2D-C9B8-10FD-4D7D226E5676}"/>
+              </a:ext>
+            </a:extLst>
+          </p:cNvPr>
+          <p:cNvSpPr/>
+          <p:nvPr/>
+        </p:nvSpPr>
+        <p:spPr>
+          <a:xfrm>
+            <a:off x="8411370" y="3903663"/>
+            <a:ext cx="78581" cy="76200"/>
+          </a:xfrm>
+          <a:prstGeom prst="ellipse">
+            <a:avLst/>
+          </a:prstGeom>
+        </p:spPr>
+        <p:style>
+          <a:lnRef idx="2">
+            <a:schemeClr val="accent1">
+              <a:shade val="50000"/>
+            </a:schemeClr>
+          </a:lnRef>
+          <a:fillRef idx="1">
+            <a:schemeClr val="accent1"/>
+          </a:fillRef>
+          <a:effectRef idx="0">
+            <a:schemeClr val="accent1"/>
+          </a:effectRef>
+          <a:fontRef idx="minor">
+            <a:schemeClr val="lt1"/>
+          </a:fontRef>
+        </p:style>
+        <p:txBody>
+          <a:bodyPr rtlCol="0" anchor="ctr"/>
+          <a:lstStyle/>
+          <a:p>
+            <a:pPr algn="ctr"/>
+            <a:endParaRPr lang="ko-KR" altLang="en-US"/>
+          </a:p>
+        </p:txBody>
+      </p:sp>
+      <p:sp>
+        <p:nvSpPr>
+          <p:cNvPr id="22" name="사각형: 잘린 위쪽 모서리 21">
+            <a:extLst>
+              <a:ext uri="{FF2B5EF4-FFF2-40B4-BE49-F238E27FC236}">
+                <a16:creationId xmlns:a16="http://schemas.microsoft.com/office/drawing/2014/main" id="{FF4EA7D0-9F51-7B48-A0E5-D23C27D2E6BD}"/>
+              </a:ext>
+            </a:extLst>
+          </p:cNvPr>
+          <p:cNvSpPr/>
+          <p:nvPr/>
+        </p:nvSpPr>
+        <p:spPr>
+          <a:xfrm rot="3777763">
+            <a:off x="8337550" y="3642519"/>
+            <a:ext cx="727075" cy="304800"/>
+          </a:xfrm>
+          <a:prstGeom prst="snip2SameRect">
+            <a:avLst/>
+          </a:prstGeom>
+        </p:spPr>
+        <p:style>
+          <a:lnRef idx="2">
+            <a:schemeClr val="accent6">
+              <a:shade val="50000"/>
+            </a:schemeClr>
+          </a:lnRef>
+          <a:fillRef idx="1">
+            <a:schemeClr val="accent6"/>
+          </a:fillRef>
+          <a:effectRef idx="0">
+            <a:schemeClr val="accent6"/>
+          </a:effectRef>
+          <a:fontRef idx="minor">
+            <a:schemeClr val="lt1"/>
+          </a:fontRef>
+        </p:style>
+        <p:txBody>
+          <a:bodyPr rtlCol="0" anchor="ctr"/>
+          <a:lstStyle/>
+          <a:p>
+            <a:pPr algn="ctr"/>
+            <a:endParaRPr lang="ko-KR" altLang="en-US"/>
+          </a:p>
+        </p:txBody>
+      </p:sp>
+      <p:sp>
+        <p:nvSpPr>
+          <p:cNvPr id="24" name="타원 23">
+            <a:extLst>
+              <a:ext uri="{FF2B5EF4-FFF2-40B4-BE49-F238E27FC236}">
+                <a16:creationId xmlns:a16="http://schemas.microsoft.com/office/drawing/2014/main" id="{68ADCB3E-98C3-D73A-336A-ABDB0B38DBA2}"/>
+              </a:ext>
+            </a:extLst>
+          </p:cNvPr>
+          <p:cNvSpPr/>
+          <p:nvPr/>
+        </p:nvSpPr>
+        <p:spPr>
+          <a:xfrm>
+            <a:off x="8420895" y="3589338"/>
+            <a:ext cx="78581" cy="76200"/>
+          </a:xfrm>
+          <a:prstGeom prst="ellipse">
+            <a:avLst/>
+          </a:prstGeom>
+        </p:spPr>
+        <p:style>
+          <a:lnRef idx="2">
+            <a:schemeClr val="accent1">
+              <a:shade val="50000"/>
+            </a:schemeClr>
+          </a:lnRef>
+          <a:fillRef idx="1">
+            <a:schemeClr val="accent1"/>
+          </a:fillRef>
+          <a:effectRef idx="0">
+            <a:schemeClr val="accent1"/>
+          </a:effectRef>
+          <a:fontRef idx="minor">
+            <a:schemeClr val="lt1"/>
+          </a:fontRef>
+        </p:style>
+        <p:txBody>
+          <a:bodyPr rtlCol="0" anchor="ctr"/>
+          <a:lstStyle/>
+          <a:p>
+            <a:pPr algn="ctr"/>
+            <a:endParaRPr lang="ko-KR" altLang="en-US"/>
+          </a:p>
+        </p:txBody>
+      </p:sp>
+      <p:sp>
+        <p:nvSpPr>
+          <p:cNvPr id="34" name="타원 33">
+            <a:extLst>
+              <a:ext uri="{FF2B5EF4-FFF2-40B4-BE49-F238E27FC236}">
+                <a16:creationId xmlns:a16="http://schemas.microsoft.com/office/drawing/2014/main" id="{8C391CBA-3CB4-51DE-129F-36A7D3ABC3B1}"/>
+              </a:ext>
+            </a:extLst>
+          </p:cNvPr>
+          <p:cNvSpPr/>
+          <p:nvPr/>
+        </p:nvSpPr>
+        <p:spPr>
+          <a:xfrm>
+            <a:off x="8639970" y="3748882"/>
+            <a:ext cx="78581" cy="76200"/>
+          </a:xfrm>
+          <a:prstGeom prst="ellipse">
+            <a:avLst/>
+          </a:prstGeom>
+        </p:spPr>
+        <p:style>
+          <a:lnRef idx="2">
+            <a:schemeClr val="accent1">
+              <a:shade val="50000"/>
+            </a:schemeClr>
+          </a:lnRef>
+          <a:fillRef idx="1">
+            <a:schemeClr val="accent1"/>
+          </a:fillRef>
+          <a:effectRef idx="0">
+            <a:schemeClr val="accent1"/>
+          </a:effectRef>
+          <a:fontRef idx="minor">
+            <a:schemeClr val="lt1"/>
+          </a:fontRef>
+        </p:style>
+        <p:txBody>
+          <a:bodyPr rtlCol="0" anchor="ctr"/>
+          <a:lstStyle/>
+          <a:p>
+            <a:pPr algn="ctr"/>
+            <a:endParaRPr lang="ko-KR" altLang="en-US"/>
+          </a:p>
+        </p:txBody>
+      </p:sp>
+      <p:sp>
+        <p:nvSpPr>
+          <p:cNvPr id="37" name="타원 36">
+            <a:extLst>
+              <a:ext uri="{FF2B5EF4-FFF2-40B4-BE49-F238E27FC236}">
+                <a16:creationId xmlns:a16="http://schemas.microsoft.com/office/drawing/2014/main" id="{22C9A227-9BFD-29CA-017E-121F5F13F34F}"/>
+              </a:ext>
+            </a:extLst>
+          </p:cNvPr>
+          <p:cNvSpPr/>
+          <p:nvPr/>
+        </p:nvSpPr>
+        <p:spPr>
+          <a:xfrm>
+            <a:off x="5203033" y="2921794"/>
+            <a:ext cx="78581" cy="76200"/>
+          </a:xfrm>
+          <a:prstGeom prst="ellipse">
+            <a:avLst/>
+          </a:prstGeom>
+        </p:spPr>
+        <p:style>
+          <a:lnRef idx="2">
+            <a:schemeClr val="accent1">
+              <a:shade val="50000"/>
+            </a:schemeClr>
+          </a:lnRef>
+          <a:fillRef idx="1">
+            <a:schemeClr val="accent1"/>
+          </a:fillRef>
+          <a:effectRef idx="0">
+            <a:schemeClr val="accent1"/>
+          </a:effectRef>
+          <a:fontRef idx="minor">
+            <a:schemeClr val="lt1"/>
+          </a:fontRef>
+        </p:style>
+        <p:txBody>
+          <a:bodyPr rtlCol="0" anchor="ctr"/>
+          <a:lstStyle/>
+          <a:p>
+            <a:pPr algn="ctr"/>
+            <a:endParaRPr lang="ko-KR" altLang="en-US"/>
+          </a:p>
+        </p:txBody>
+      </p:sp>
     </p:spTree>
     <p:extLst>
       <p:ext uri="{BB962C8B-B14F-4D97-AF65-F5344CB8AC3E}">

--- a/docs/플레이어 회전.pptx
+++ b/docs/플레이어 회전.pptx
@@ -3410,13 +3410,15 @@
               </a:ext>
             </a:extLst>
           </p:cNvPr>
-          <p:cNvCxnSpPr/>
+          <p:cNvCxnSpPr>
+            <a:cxnSpLocks/>
+          </p:cNvCxnSpPr>
           <p:nvPr/>
         </p:nvCxnSpPr>
         <p:spPr>
           <a:xfrm>
-            <a:off x="4838700" y="3136900"/>
-            <a:ext cx="812800" cy="0"/>
+            <a:off x="4841081" y="3136900"/>
+            <a:ext cx="810419" cy="0"/>
           </a:xfrm>
           <a:prstGeom prst="line">
             <a:avLst/>
